--- a/фантом библиотеки (1).pptx
+++ b/фантом библиотеки (1).pptx
@@ -469,7 +469,7 @@
           <a:p>
             <a:fld id="{7D48661B-64FC-4660-A624-2441D29FA7CF}" type="datetimeFigureOut">
               <a:rPr lang="ru-RU" smtClean="0"/>
-              <a:t>28.01.2026</a:t>
+              <a:t>02.02.2026</a:t>
             </a:fld>
             <a:endParaRPr lang="ru-RU"/>
           </a:p>
@@ -1627,7 +1627,7 @@
           <a:p>
             <a:fld id="{7D48661B-64FC-4660-A624-2441D29FA7CF}" type="datetimeFigureOut">
               <a:rPr lang="ru-RU" smtClean="0"/>
-              <a:t>28.01.2026</a:t>
+              <a:t>02.02.2026</a:t>
             </a:fld>
             <a:endParaRPr lang="ru-RU"/>
           </a:p>
@@ -2677,7 +2677,7 @@
           <a:p>
             <a:fld id="{7D48661B-64FC-4660-A624-2441D29FA7CF}" type="datetimeFigureOut">
               <a:rPr lang="ru-RU" smtClean="0"/>
-              <a:t>28.01.2026</a:t>
+              <a:t>02.02.2026</a:t>
             </a:fld>
             <a:endParaRPr lang="ru-RU"/>
           </a:p>
@@ -3881,7 +3881,7 @@
           <a:p>
             <a:fld id="{7D48661B-64FC-4660-A624-2441D29FA7CF}" type="datetimeFigureOut">
               <a:rPr lang="ru-RU" smtClean="0"/>
-              <a:t>28.01.2026</a:t>
+              <a:t>02.02.2026</a:t>
             </a:fld>
             <a:endParaRPr lang="ru-RU"/>
           </a:p>
@@ -4984,7 +4984,7 @@
           <a:p>
             <a:fld id="{7D48661B-64FC-4660-A624-2441D29FA7CF}" type="datetimeFigureOut">
               <a:rPr lang="ru-RU" smtClean="0"/>
-              <a:t>28.01.2026</a:t>
+              <a:t>02.02.2026</a:t>
             </a:fld>
             <a:endParaRPr lang="ru-RU"/>
           </a:p>
@@ -5651,7 +5651,7 @@
           <a:p>
             <a:fld id="{7D48661B-64FC-4660-A624-2441D29FA7CF}" type="datetimeFigureOut">
               <a:rPr lang="ru-RU" smtClean="0"/>
-              <a:t>28.01.2026</a:t>
+              <a:t>02.02.2026</a:t>
             </a:fld>
             <a:endParaRPr lang="ru-RU"/>
           </a:p>
@@ -6512,7 +6512,7 @@
           <a:p>
             <a:fld id="{7D48661B-64FC-4660-A624-2441D29FA7CF}" type="datetimeFigureOut">
               <a:rPr lang="ru-RU" smtClean="0"/>
-              <a:t>28.01.2026</a:t>
+              <a:t>02.02.2026</a:t>
             </a:fld>
             <a:endParaRPr lang="ru-RU"/>
           </a:p>
@@ -6702,7 +6702,7 @@
           <a:p>
             <a:fld id="{7D48661B-64FC-4660-A624-2441D29FA7CF}" type="datetimeFigureOut">
               <a:rPr lang="ru-RU" smtClean="0"/>
-              <a:t>28.01.2026</a:t>
+              <a:t>02.02.2026</a:t>
             </a:fld>
             <a:endParaRPr lang="ru-RU"/>
           </a:p>
@@ -7744,7 +7744,7 @@
           <a:p>
             <a:fld id="{7D48661B-64FC-4660-A624-2441D29FA7CF}" type="datetimeFigureOut">
               <a:rPr lang="ru-RU" smtClean="0"/>
-              <a:t>28.01.2026</a:t>
+              <a:t>02.02.2026</a:t>
             </a:fld>
             <a:endParaRPr lang="ru-RU"/>
           </a:p>
@@ -7962,7 +7962,7 @@
           <a:p>
             <a:fld id="{7D48661B-64FC-4660-A624-2441D29FA7CF}" type="datetimeFigureOut">
               <a:rPr lang="ru-RU" smtClean="0"/>
-              <a:t>28.01.2026</a:t>
+              <a:t>02.02.2026</a:t>
             </a:fld>
             <a:endParaRPr lang="ru-RU"/>
           </a:p>
@@ -9066,7 +9066,7 @@
           <a:p>
             <a:fld id="{7D48661B-64FC-4660-A624-2441D29FA7CF}" type="datetimeFigureOut">
               <a:rPr lang="ru-RU" smtClean="0"/>
-              <a:t>28.01.2026</a:t>
+              <a:t>02.02.2026</a:t>
             </a:fld>
             <a:endParaRPr lang="ru-RU"/>
           </a:p>
@@ -9345,7 +9345,7 @@
           <a:p>
             <a:fld id="{7D48661B-64FC-4660-A624-2441D29FA7CF}" type="datetimeFigureOut">
               <a:rPr lang="ru-RU" smtClean="0"/>
-              <a:t>28.01.2026</a:t>
+              <a:t>02.02.2026</a:t>
             </a:fld>
             <a:endParaRPr lang="ru-RU"/>
           </a:p>
@@ -9755,7 +9755,7 @@
           <a:p>
             <a:fld id="{7D48661B-64FC-4660-A624-2441D29FA7CF}" type="datetimeFigureOut">
               <a:rPr lang="ru-RU" smtClean="0"/>
-              <a:t>28.01.2026</a:t>
+              <a:t>02.02.2026</a:t>
             </a:fld>
             <a:endParaRPr lang="ru-RU"/>
           </a:p>
@@ -9882,7 +9882,7 @@
           <a:p>
             <a:fld id="{7D48661B-64FC-4660-A624-2441D29FA7CF}" type="datetimeFigureOut">
               <a:rPr lang="ru-RU" smtClean="0"/>
-              <a:t>28.01.2026</a:t>
+              <a:t>02.02.2026</a:t>
             </a:fld>
             <a:endParaRPr lang="ru-RU"/>
           </a:p>
@@ -9977,7 +9977,7 @@
           <a:p>
             <a:fld id="{7D48661B-64FC-4660-A624-2441D29FA7CF}" type="datetimeFigureOut">
               <a:rPr lang="ru-RU" smtClean="0"/>
-              <a:t>28.01.2026</a:t>
+              <a:t>02.02.2026</a:t>
             </a:fld>
             <a:endParaRPr lang="ru-RU"/>
           </a:p>
@@ -11135,7 +11135,7 @@
           <a:p>
             <a:fld id="{7D48661B-64FC-4660-A624-2441D29FA7CF}" type="datetimeFigureOut">
               <a:rPr lang="ru-RU" smtClean="0"/>
-              <a:t>28.01.2026</a:t>
+              <a:t>02.02.2026</a:t>
             </a:fld>
             <a:endParaRPr lang="ru-RU"/>
           </a:p>
@@ -12320,7 +12320,7 @@
           <a:p>
             <a:fld id="{7D48661B-64FC-4660-A624-2441D29FA7CF}" type="datetimeFigureOut">
               <a:rPr lang="ru-RU" smtClean="0"/>
-              <a:t>28.01.2026</a:t>
+              <a:t>02.02.2026</a:t>
             </a:fld>
             <a:endParaRPr lang="ru-RU"/>
           </a:p>
@@ -13387,7 +13387,7 @@
           <a:p>
             <a:fld id="{7D48661B-64FC-4660-A624-2441D29FA7CF}" type="datetimeFigureOut">
               <a:rPr lang="ru-RU" smtClean="0"/>
-              <a:t>28.01.2026</a:t>
+              <a:t>02.02.2026</a:t>
             </a:fld>
             <a:endParaRPr lang="ru-RU"/>
           </a:p>
@@ -14377,15 +14377,7 @@
             </a:r>
             <a:r>
               <a:rPr lang="en-US" dirty="0"/>
-              <a:t>, </a:t>
-            </a:r>
-            <a:r>
-              <a:rPr lang="en-US" dirty="0" err="1"/>
-              <a:t>Pygame</a:t>
-            </a:r>
-            <a:r>
-              <a:rPr lang="en-US" dirty="0"/>
-              <a:t>, PyCharm, Tiled</a:t>
+              <a:t>, Arcade, PyCharm, Tiled</a:t>
             </a:r>
             <a:endParaRPr lang="ru-RU" dirty="0"/>
           </a:p>
@@ -16093,8 +16085,8 @@
               <a:t>Мы научились работать с библиотекой </a:t>
             </a:r>
             <a:r>
-              <a:rPr lang="en-US" dirty="0" err="1"/>
-              <a:t>Pygame</a:t>
+              <a:rPr lang="en-US" dirty="0"/>
+              <a:t>Arcade</a:t>
             </a:r>
             <a:r>
               <a:rPr lang="ru-RU" dirty="0"/>
@@ -16215,8 +16207,8 @@
               <a:t>Возможно дальнейшее добавление новых локаций и заданий для игрока. Если существует такая возможность в </a:t>
             </a:r>
             <a:r>
-              <a:rPr lang="en-US" dirty="0" err="1"/>
-              <a:t>Pygame</a:t>
+              <a:rPr lang="en-US" dirty="0"/>
+              <a:t>Arcade</a:t>
             </a:r>
             <a:r>
               <a:rPr lang="ru-RU" dirty="0"/>
